--- a/SE/lec07 - პროგ. უზრ. დიზაინი.pptx
+++ b/SE/lec07 - პროგ. უზრ. დიზაინი.pptx
@@ -266,7 +266,7 @@
           <a:p>
             <a:fld id="{20177E6E-5A08-415B-BB67-7F521B2F416A}" type="datetimeFigureOut">
               <a:rPr lang="en-US" smtClean="0"/>
-              <a:t>11/5/2021</a:t>
+              <a:t>11/16/2022</a:t>
             </a:fld>
             <a:endParaRPr lang="en-US"/>
           </a:p>
@@ -565,7 +565,7 @@
           <a:p>
             <a:fld id="{20177E6E-5A08-415B-BB67-7F521B2F416A}" type="datetimeFigureOut">
               <a:rPr lang="en-US" smtClean="0"/>
-              <a:t>11/5/2021</a:t>
+              <a:t>11/16/2022</a:t>
             </a:fld>
             <a:endParaRPr lang="en-US"/>
           </a:p>
@@ -740,7 +740,7 @@
           <a:p>
             <a:fld id="{20177E6E-5A08-415B-BB67-7F521B2F416A}" type="datetimeFigureOut">
               <a:rPr lang="en-US" smtClean="0"/>
-              <a:t>11/5/2021</a:t>
+              <a:t>11/16/2022</a:t>
             </a:fld>
             <a:endParaRPr lang="en-US"/>
           </a:p>
@@ -905,7 +905,7 @@
           <a:p>
             <a:fld id="{20177E6E-5A08-415B-BB67-7F521B2F416A}" type="datetimeFigureOut">
               <a:rPr lang="en-US" smtClean="0"/>
-              <a:t>11/5/2021</a:t>
+              <a:t>11/16/2022</a:t>
             </a:fld>
             <a:endParaRPr lang="en-US"/>
           </a:p>
@@ -1165,7 +1165,7 @@
           <a:p>
             <a:fld id="{20177E6E-5A08-415B-BB67-7F521B2F416A}" type="datetimeFigureOut">
               <a:rPr lang="en-US" smtClean="0"/>
-              <a:t>11/5/2021</a:t>
+              <a:t>11/16/2022</a:t>
             </a:fld>
             <a:endParaRPr lang="en-US"/>
           </a:p>
@@ -1619,7 +1619,7 @@
           <a:p>
             <a:fld id="{20177E6E-5A08-415B-BB67-7F521B2F416A}" type="datetimeFigureOut">
               <a:rPr lang="en-US" smtClean="0"/>
-              <a:t>11/5/2021</a:t>
+              <a:t>11/16/2022</a:t>
             </a:fld>
             <a:endParaRPr lang="en-US"/>
           </a:p>
@@ -2102,7 +2102,7 @@
           <a:p>
             <a:fld id="{20177E6E-5A08-415B-BB67-7F521B2F416A}" type="datetimeFigureOut">
               <a:rPr lang="en-US" smtClean="0"/>
-              <a:t>11/5/2021</a:t>
+              <a:t>11/16/2022</a:t>
             </a:fld>
             <a:endParaRPr lang="en-US"/>
           </a:p>
@@ -2220,7 +2220,7 @@
           <a:p>
             <a:fld id="{20177E6E-5A08-415B-BB67-7F521B2F416A}" type="datetimeFigureOut">
               <a:rPr lang="en-US" smtClean="0"/>
-              <a:t>11/5/2021</a:t>
+              <a:t>11/16/2022</a:t>
             </a:fld>
             <a:endParaRPr lang="en-US"/>
           </a:p>
@@ -2356,7 +2356,7 @@
           <a:p>
             <a:fld id="{20177E6E-5A08-415B-BB67-7F521B2F416A}" type="datetimeFigureOut">
               <a:rPr lang="en-US" smtClean="0"/>
-              <a:t>11/5/2021</a:t>
+              <a:t>11/16/2022</a:t>
             </a:fld>
             <a:endParaRPr lang="en-US"/>
           </a:p>
@@ -2670,7 +2670,7 @@
           <a:p>
             <a:fld id="{20177E6E-5A08-415B-BB67-7F521B2F416A}" type="datetimeFigureOut">
               <a:rPr lang="en-US" smtClean="0"/>
-              <a:t>11/5/2021</a:t>
+              <a:t>11/16/2022</a:t>
             </a:fld>
             <a:endParaRPr lang="en-US"/>
           </a:p>
@@ -2798,7 +2798,7 @@
           <a:p>
             <a:fld id="{20177E6E-5A08-415B-BB67-7F521B2F416A}" type="datetimeFigureOut">
               <a:rPr lang="en-US" smtClean="0"/>
-              <a:t>11/5/2021</a:t>
+              <a:t>11/16/2022</a:t>
             </a:fld>
             <a:endParaRPr lang="en-US"/>
           </a:p>
@@ -3557,7 +3557,7 @@
           <a:p>
             <a:fld id="{20177E6E-5A08-415B-BB67-7F521B2F416A}" type="datetimeFigureOut">
               <a:rPr lang="en-US" smtClean="0"/>
-              <a:t>11/5/2021</a:t>
+              <a:t>11/16/2022</a:t>
             </a:fld>
             <a:endParaRPr lang="en-US"/>
           </a:p>
@@ -6432,15 +6432,7 @@
             </a:r>
             <a:r>
               <a:rPr lang="en-US" sz="1400" dirty="0" smtClean="0"/>
-              <a:t>1</a:t>
-            </a:r>
-            <a:r>
-              <a:rPr lang="ka-GE" sz="1400" dirty="0" smtClean="0"/>
-              <a:t> წლის </a:t>
-            </a:r>
-            <a:r>
-              <a:rPr lang="en-US" sz="1400" smtClean="0"/>
-              <a:t>5</a:t>
+              <a:t>2</a:t>
             </a:r>
             <a:r>
               <a:rPr lang="ka-GE" sz="1400" smtClean="0"/>
@@ -6448,73 +6440,9 @@
             </a:r>
             <a:r>
               <a:rPr lang="ka-GE" sz="1400" dirty="0" smtClean="0"/>
-              <a:t>ნოემბერი</a:t>
+              <a:t>წლის 1 ნოემბერი</a:t>
             </a:r>
             <a:endParaRPr lang="en-US" sz="1400" dirty="0"/>
-          </a:p>
-        </p:txBody>
-      </p:sp>
-      <p:sp>
-        <p:nvSpPr>
-          <p:cNvPr id="9" name="Title 1"/>
-          <p:cNvSpPr txBox="1">
-            <a:spLocks/>
-          </p:cNvSpPr>
-          <p:nvPr/>
-        </p:nvSpPr>
-        <p:spPr>
-          <a:xfrm>
-            <a:off x="2379483" y="1433627"/>
-            <a:ext cx="2539809" cy="342049"/>
-          </a:xfrm>
-          <a:prstGeom prst="rect">
-            <a:avLst/>
-          </a:prstGeom>
-        </p:spPr>
-        <p:txBody>
-          <a:bodyPr anchor="b">
-            <a:noAutofit/>
-          </a:bodyPr>
-          <a:lstStyle>
-            <a:lvl1pPr algn="l" rtl="0" eaLnBrk="1" latinLnBrk="0" hangingPunct="1">
-              <a:spcBef>
-                <a:spcPct val="0"/>
-              </a:spcBef>
-              <a:buNone/>
-              <a:defRPr kumimoji="0" sz="4300" kern="1200">
-                <a:solidFill>
-                  <a:schemeClr val="tx2">
-                    <a:satMod val="130000"/>
-                  </a:schemeClr>
-                </a:solidFill>
-                <a:effectLst>
-                  <a:outerShdw blurRad="50000" dist="30000" dir="5400000" algn="tl" rotWithShape="0">
-                    <a:srgbClr val="000000">
-                      <a:alpha val="30000"/>
-                    </a:srgbClr>
-                  </a:outerShdw>
-                </a:effectLst>
-                <a:latin typeface="+mj-lt"/>
-                <a:ea typeface="+mj-ea"/>
-                <a:cs typeface="+mj-cs"/>
-              </a:defRPr>
-            </a:lvl1pPr>
-            <a:extLst/>
-          </a:lstStyle>
-          <a:p>
-            <a:r>
-              <a:rPr lang="ka-GE" sz="1800" dirty="0" smtClean="0"/>
-              <a:t> (</a:t>
-            </a:r>
-            <a:r>
-              <a:rPr lang="en-US" sz="1800" dirty="0" smtClean="0"/>
-              <a:t>Online </a:t>
-            </a:r>
-            <a:r>
-              <a:rPr lang="ka-GE" sz="1800" dirty="0" smtClean="0"/>
-              <a:t>მეცადინეობა)</a:t>
-            </a:r>
-            <a:endParaRPr lang="en-US" sz="1800" dirty="0"/>
           </a:p>
         </p:txBody>
       </p:sp>
